--- a/Project_4_Presentation.pptx
+++ b/Project_4_Presentation.pptx
@@ -3903,7 +3903,7 @@
           <a:p>
             <a:r>
               <a:rPr lang="en-US" dirty="0"/>
-              <a:t>Theadora James</a:t>
+              <a:t>Thea James</a:t>
             </a:r>
           </a:p>
           <a:p>
@@ -5107,6 +5107,25 @@
             </a:r>
           </a:p>
           <a:p>
+            <a:pPr lvl="2"/>
+            <a:r>
+              <a:rPr lang="en-US" dirty="0"/>
+              <a:t>Took the average of the </a:t>
+            </a:r>
+            <a:r>
+              <a:rPr lang="en-US" dirty="0" err="1"/>
+              <a:t>YesDraft</a:t>
+            </a:r>
+            <a:r>
+              <a:rPr lang="en-US" dirty="0"/>
+              <a:t>, color coded, filtered by players, and separated by conference</a:t>
+            </a:r>
+          </a:p>
+          <a:p>
+            <a:pPr lvl="2"/>
+            <a:endParaRPr lang="en-US" dirty="0"/>
+          </a:p>
+          <a:p>
             <a:pPr marL="0" indent="0">
               <a:buNone/>
             </a:pPr>
@@ -5243,14 +5262,21 @@
             <a:pPr lvl="1"/>
             <a:r>
               <a:rPr lang="en-US" dirty="0"/>
-              <a:t>NBA looks for specific draft positions</a:t>
+              <a:t>NBA looks for specific draft positions based on the needs of the team</a:t>
             </a:r>
           </a:p>
           <a:p>
             <a:pPr lvl="1"/>
             <a:r>
               <a:rPr lang="en-US" dirty="0"/>
-              <a:t>G-league or International players dropped due to null values</a:t>
+              <a:t>Draft probability is relative to other players in the dataset</a:t>
+            </a:r>
+          </a:p>
+          <a:p>
+            <a:pPr lvl="2"/>
+            <a:r>
+              <a:rPr lang="en-US" dirty="0"/>
+              <a:t>Dataset doesn’t include some top draft prospects (G-league or International players)</a:t>
             </a:r>
           </a:p>
           <a:p>
@@ -5275,10 +5301,17 @@
             </a:r>
           </a:p>
           <a:p>
+            <a:pPr lvl="3"/>
+            <a:r>
+              <a:rPr lang="en-US" dirty="0"/>
+              <a:t>Example: conference column is a string datatype</a:t>
+            </a:r>
+          </a:p>
+          <a:p>
             <a:pPr lvl="1"/>
             <a:r>
               <a:rPr lang="en-US" dirty="0"/>
-              <a:t>College Basketball Players csv datasets did not have guides to what each column meant</a:t>
+              <a:t>Our dataset did not come with a data dictionary</a:t>
             </a:r>
           </a:p>
         </p:txBody>
@@ -5396,6 +5429,13 @@
             <a:r>
               <a:rPr lang="en-US" dirty="0"/>
               <a:t>Dropdown menu for user to select player to view their draft probability and other stats</a:t>
+            </a:r>
+          </a:p>
+          <a:p>
+            <a:pPr lvl="1"/>
+            <a:r>
+              <a:rPr lang="en-US" dirty="0"/>
+              <a:t>Included more features in the Random Forest Classifier model</a:t>
             </a:r>
           </a:p>
           <a:p>

--- a/Project_4_Presentation.pptx
+++ b/Project_4_Presentation.pptx
@@ -211,7 +211,7 @@
           <a:p>
             <a:fld id="{D8DE8356-FFDA-4E74-B804-79023C7DD259}" type="datetimeFigureOut">
               <a:rPr lang="en-US" smtClean="0"/>
-              <a:t>3/4/2022</a:t>
+              <a:t>3/5/2022</a:t>
             </a:fld>
             <a:endParaRPr lang="en-US"/>
           </a:p>
@@ -376,7 +376,7 @@
           <a:p>
             <a:fld id="{B43DDCE7-616C-4285-A468-7301F171BC93}" type="datetimeFigureOut">
               <a:rPr lang="en-US" smtClean="0"/>
-              <a:t>3/4/2022</a:t>
+              <a:t>3/5/2022</a:t>
             </a:fld>
             <a:endParaRPr lang="en-US"/>
           </a:p>
@@ -1021,7 +1021,7 @@
           <a:p>
             <a:fld id="{3762EC29-B8C5-4C7A-B6DA-418494D5CB21}" type="datetimeFigureOut">
               <a:rPr lang="en-US" smtClean="0"/>
-              <a:t>3/4/2022</a:t>
+              <a:t>3/5/2022</a:t>
             </a:fld>
             <a:endParaRPr lang="en-US"/>
           </a:p>
@@ -1214,7 +1214,7 @@
           <a:p>
             <a:fld id="{3762EC29-B8C5-4C7A-B6DA-418494D5CB21}" type="datetimeFigureOut">
               <a:rPr lang="en-US" smtClean="0"/>
-              <a:t>3/4/2022</a:t>
+              <a:t>3/5/2022</a:t>
             </a:fld>
             <a:endParaRPr lang="en-US"/>
           </a:p>
@@ -1397,7 +1397,7 @@
           <a:p>
             <a:fld id="{3762EC29-B8C5-4C7A-B6DA-418494D5CB21}" type="datetimeFigureOut">
               <a:rPr lang="en-US" smtClean="0"/>
-              <a:t>3/4/2022</a:t>
+              <a:t>3/5/2022</a:t>
             </a:fld>
             <a:endParaRPr lang="en-US"/>
           </a:p>
@@ -1662,7 +1662,7 @@
           <a:p>
             <a:fld id="{3762EC29-B8C5-4C7A-B6DA-418494D5CB21}" type="datetimeFigureOut">
               <a:rPr lang="en-US" smtClean="0"/>
-              <a:t>3/4/2022</a:t>
+              <a:t>3/5/2022</a:t>
             </a:fld>
             <a:endParaRPr lang="en-US"/>
           </a:p>
@@ -1906,7 +1906,7 @@
           <a:p>
             <a:fld id="{3762EC29-B8C5-4C7A-B6DA-418494D5CB21}" type="datetimeFigureOut">
               <a:rPr lang="en-US" smtClean="0"/>
-              <a:t>3/4/2022</a:t>
+              <a:t>3/5/2022</a:t>
             </a:fld>
             <a:endParaRPr lang="en-US"/>
           </a:p>
@@ -2294,7 +2294,7 @@
           <a:p>
             <a:fld id="{3762EC29-B8C5-4C7A-B6DA-418494D5CB21}" type="datetimeFigureOut">
               <a:rPr lang="en-US" smtClean="0"/>
-              <a:t>3/4/2022</a:t>
+              <a:t>3/5/2022</a:t>
             </a:fld>
             <a:endParaRPr lang="en-US"/>
           </a:p>
@@ -2426,7 +2426,7 @@
           <a:p>
             <a:fld id="{3762EC29-B8C5-4C7A-B6DA-418494D5CB21}" type="datetimeFigureOut">
               <a:rPr lang="en-US" smtClean="0"/>
-              <a:t>3/4/2022</a:t>
+              <a:t>3/5/2022</a:t>
             </a:fld>
             <a:endParaRPr lang="en-US"/>
           </a:p>
@@ -2536,7 +2536,7 @@
           <a:p>
             <a:fld id="{3762EC29-B8C5-4C7A-B6DA-418494D5CB21}" type="datetimeFigureOut">
               <a:rPr lang="en-US" smtClean="0"/>
-              <a:t>3/4/2022</a:t>
+              <a:t>3/5/2022</a:t>
             </a:fld>
             <a:endParaRPr lang="en-US"/>
           </a:p>
@@ -3333,7 +3333,7 @@
             <a:fld id="{3762EC29-B8C5-4C7A-B6DA-418494D5CB21}" type="datetimeFigureOut">
               <a:rPr lang="en-US" smtClean="0"/>
               <a:pPr/>
-              <a:t>3/4/2022</a:t>
+              <a:t>3/5/2022</a:t>
             </a:fld>
             <a:endParaRPr lang="en-US"/>
           </a:p>
@@ -3761,8 +3761,15 @@
               <a:rPr lang="en-US" sz="6400" dirty="0"/>
             </a:br>
             <a:r>
+              <a:rPr lang="en-US" sz="1800" dirty="0"/>
+              <a:t> </a:t>
+            </a:r>
+            <a:br>
               <a:rPr lang="en-US" sz="6400" dirty="0"/>
-              <a:t>NBA Draft Predictions</a:t>
+            </a:br>
+            <a:r>
+              <a:rPr lang="en-US" sz="6400" dirty="0"/>
+              <a:t>2022 NBA Draft Predictions</a:t>
             </a:r>
           </a:p>
         </p:txBody>
@@ -3897,7 +3904,7 @@
           <a:p>
             <a:r>
               <a:rPr lang="en-US" dirty="0"/>
-              <a:t>Cornelia Hinton</a:t>
+              <a:t>Cornelia “Ceci” Hinton</a:t>
             </a:r>
           </a:p>
           <a:p>
